--- a/PPAdditions.pptx
+++ b/PPAdditions.pptx
@@ -106,6 +106,11 @@
       </a:defRPr>
     </a:lvl9pPr>
   </p:defaultTextStyle>
+  <p:extLst>
+    <p:ext uri="{EFAFB233-063F-42B5-8137-9DF3F51BA10A}">
+      <p15:sldGuideLst xmlns:p15="http://schemas.microsoft.com/office/powerpoint/2012/main"/>
+    </p:ext>
+  </p:extLst>
 </p:presentation>
 </file>
 
@@ -314,7 +319,7 @@
           <a:p>
             <a:fld id="{52651993-E41F-4A8B-B910-8E9C96B75842}" type="datetimeFigureOut">
               <a:rPr lang="en-US" smtClean="0"/>
-              <a:t>5/16/2023</a:t>
+              <a:t>5/17/2023</a:t>
             </a:fld>
             <a:endParaRPr lang="en-US"/>
           </a:p>
@@ -512,7 +517,7 @@
           <a:p>
             <a:fld id="{52651993-E41F-4A8B-B910-8E9C96B75842}" type="datetimeFigureOut">
               <a:rPr lang="en-US" smtClean="0"/>
-              <a:t>5/16/2023</a:t>
+              <a:t>5/17/2023</a:t>
             </a:fld>
             <a:endParaRPr lang="en-US"/>
           </a:p>
@@ -720,7 +725,7 @@
           <a:p>
             <a:fld id="{52651993-E41F-4A8B-B910-8E9C96B75842}" type="datetimeFigureOut">
               <a:rPr lang="en-US" smtClean="0"/>
-              <a:t>5/16/2023</a:t>
+              <a:t>5/17/2023</a:t>
             </a:fld>
             <a:endParaRPr lang="en-US"/>
           </a:p>
@@ -918,7 +923,7 @@
           <a:p>
             <a:fld id="{52651993-E41F-4A8B-B910-8E9C96B75842}" type="datetimeFigureOut">
               <a:rPr lang="en-US" smtClean="0"/>
-              <a:t>5/16/2023</a:t>
+              <a:t>5/17/2023</a:t>
             </a:fld>
             <a:endParaRPr lang="en-US"/>
           </a:p>
@@ -1193,7 +1198,7 @@
           <a:p>
             <a:fld id="{52651993-E41F-4A8B-B910-8E9C96B75842}" type="datetimeFigureOut">
               <a:rPr lang="en-US" smtClean="0"/>
-              <a:t>5/16/2023</a:t>
+              <a:t>5/17/2023</a:t>
             </a:fld>
             <a:endParaRPr lang="en-US"/>
           </a:p>
@@ -1458,7 +1463,7 @@
           <a:p>
             <a:fld id="{52651993-E41F-4A8B-B910-8E9C96B75842}" type="datetimeFigureOut">
               <a:rPr lang="en-US" smtClean="0"/>
-              <a:t>5/16/2023</a:t>
+              <a:t>5/17/2023</a:t>
             </a:fld>
             <a:endParaRPr lang="en-US"/>
           </a:p>
@@ -1870,7 +1875,7 @@
           <a:p>
             <a:fld id="{52651993-E41F-4A8B-B910-8E9C96B75842}" type="datetimeFigureOut">
               <a:rPr lang="en-US" smtClean="0"/>
-              <a:t>5/16/2023</a:t>
+              <a:t>5/17/2023</a:t>
             </a:fld>
             <a:endParaRPr lang="en-US"/>
           </a:p>
@@ -2011,7 +2016,7 @@
           <a:p>
             <a:fld id="{52651993-E41F-4A8B-B910-8E9C96B75842}" type="datetimeFigureOut">
               <a:rPr lang="en-US" smtClean="0"/>
-              <a:t>5/16/2023</a:t>
+              <a:t>5/17/2023</a:t>
             </a:fld>
             <a:endParaRPr lang="en-US"/>
           </a:p>
@@ -2124,7 +2129,7 @@
           <a:p>
             <a:fld id="{52651993-E41F-4A8B-B910-8E9C96B75842}" type="datetimeFigureOut">
               <a:rPr lang="en-US" smtClean="0"/>
-              <a:t>5/16/2023</a:t>
+              <a:t>5/17/2023</a:t>
             </a:fld>
             <a:endParaRPr lang="en-US"/>
           </a:p>
@@ -2435,7 +2440,7 @@
           <a:p>
             <a:fld id="{52651993-E41F-4A8B-B910-8E9C96B75842}" type="datetimeFigureOut">
               <a:rPr lang="en-US" smtClean="0"/>
-              <a:t>5/16/2023</a:t>
+              <a:t>5/17/2023</a:t>
             </a:fld>
             <a:endParaRPr lang="en-US"/>
           </a:p>
@@ -2723,7 +2728,7 @@
           <a:p>
             <a:fld id="{52651993-E41F-4A8B-B910-8E9C96B75842}" type="datetimeFigureOut">
               <a:rPr lang="en-US" smtClean="0"/>
-              <a:t>5/16/2023</a:t>
+              <a:t>5/17/2023</a:t>
             </a:fld>
             <a:endParaRPr lang="en-US"/>
           </a:p>
@@ -2964,7 +2969,7 @@
           <a:p>
             <a:fld id="{52651993-E41F-4A8B-B910-8E9C96B75842}" type="datetimeFigureOut">
               <a:rPr lang="en-US" smtClean="0"/>
-              <a:t>5/16/2023</a:t>
+              <a:t>5/17/2023</a:t>
             </a:fld>
             <a:endParaRPr lang="en-US"/>
           </a:p>
@@ -3454,7 +3459,7 @@
             <a:pPr algn="ctr"/>
             <a:r>
               <a:rPr lang="en-US" dirty="0"/>
-              <a:t>Prepare the data for transformation</a:t>
+              <a:t>Prepare and Transform the data</a:t>
             </a:r>
           </a:p>
         </p:txBody>
@@ -3504,7 +3509,7 @@
         <p:spPr>
           <a:xfrm>
             <a:off x="1385190" y="3544787"/>
-            <a:ext cx="4572000" cy="1754326"/>
+            <a:ext cx="4572000" cy="2031325"/>
           </a:xfrm>
           <a:prstGeom prst="rect">
             <a:avLst/>
@@ -3574,6 +3579,16 @@
             <a:r>
               <a:rPr lang="en-US" dirty="0"/>
               <a:t>Remove any columns that offer no value</a:t>
+            </a:r>
+          </a:p>
+          <a:p>
+            <a:pPr marL="285750" indent="-285750">
+              <a:buFont typeface="Arial" panose="020B0604020202020204" pitchFamily="34" charset="0"/>
+              <a:buChar char="•"/>
+            </a:pPr>
+            <a:r>
+              <a:rPr lang="en-US" dirty="0"/>
+              <a:t>Train and Scale the data</a:t>
             </a:r>
           </a:p>
         </p:txBody>
@@ -3818,8 +3833,8 @@
           </a:prstGeom>
         </p:spPr>
       </p:pic>
-      <mc:AlternateContent xmlns:mc="http://schemas.openxmlformats.org/markup-compatibility/2006">
-        <mc:Choice xmlns:p14="http://schemas.microsoft.com/office/powerpoint/2010/main" Requires="p14">
+      <mc:AlternateContent xmlns:mc="http://schemas.openxmlformats.org/markup-compatibility/2006" xmlns:p14="http://schemas.microsoft.com/office/powerpoint/2010/main">
+        <mc:Choice Requires="p14">
           <p:contentPart p14:bwMode="auto" r:id="rId5">
             <p14:nvContentPartPr>
               <p14:cNvPr id="19" name="Ink 18">
@@ -3838,7 +3853,7 @@
             </p14:xfrm>
           </p:contentPart>
         </mc:Choice>
-        <mc:Fallback>
+        <mc:Fallback xmlns="">
           <p:pic>
             <p:nvPicPr>
               <p:cNvPr id="19" name="Ink 18">
@@ -3913,7 +3928,7 @@
         </p:nvSpPr>
         <p:spPr>
           <a:xfrm>
-            <a:off x="3428450" y="3252013"/>
+            <a:off x="3774032" y="3312863"/>
             <a:ext cx="1915685" cy="830997"/>
           </a:xfrm>
           <a:prstGeom prst="rect">
@@ -4058,8 +4073,8 @@
           </a:p>
         </p:txBody>
       </p:sp>
-      <mc:AlternateContent xmlns:mc="http://schemas.openxmlformats.org/markup-compatibility/2006">
-        <mc:Choice xmlns:p14="http://schemas.microsoft.com/office/powerpoint/2010/main" Requires="p14">
+      <mc:AlternateContent xmlns:mc="http://schemas.openxmlformats.org/markup-compatibility/2006" xmlns:p14="http://schemas.microsoft.com/office/powerpoint/2010/main">
+        <mc:Choice Requires="p14">
           <p:contentPart p14:bwMode="auto" r:id="rId8">
             <p14:nvContentPartPr>
               <p14:cNvPr id="36" name="Ink 35">
@@ -4078,7 +4093,7 @@
             </p14:xfrm>
           </p:contentPart>
         </mc:Choice>
-        <mc:Fallback>
+        <mc:Fallback xmlns="">
           <p:pic>
             <p:nvPicPr>
               <p:cNvPr id="36" name="Ink 35">
@@ -4144,17 +4159,17 @@
                   <a:srgbClr val="00B0F0"/>
                 </a:solidFill>
               </a:rPr>
-              <a:t>Dataset after Preparation phase</a:t>
+              <a:t>Dataset after Transforming phase</a:t>
             </a:r>
           </a:p>
         </p:txBody>
       </p:sp>
       <p:pic>
         <p:nvPicPr>
-          <p:cNvPr id="41" name="Picture 40">
-            <a:extLst>
-              <a:ext uri="{FF2B5EF4-FFF2-40B4-BE49-F238E27FC236}">
-                <a16:creationId xmlns:a16="http://schemas.microsoft.com/office/drawing/2014/main" id="{D7312470-CCDD-B94D-A159-987CCFCB96AF}"/>
+          <p:cNvPr id="12" name="Picture 11">
+            <a:extLst>
+              <a:ext uri="{FF2B5EF4-FFF2-40B4-BE49-F238E27FC236}">
+                <a16:creationId xmlns:a16="http://schemas.microsoft.com/office/drawing/2014/main" id="{956D62DA-E598-1EA1-D213-734F1E154AE7}"/>
               </a:ext>
             </a:extLst>
           </p:cNvPr>
@@ -4171,8 +4186,8 @@
         </p:blipFill>
         <p:spPr>
           <a:xfrm>
-            <a:off x="64310" y="53439"/>
-            <a:ext cx="6615436" cy="2617474"/>
+            <a:off x="0" y="102083"/>
+            <a:ext cx="6246514" cy="2605581"/>
           </a:xfrm>
           <a:prstGeom prst="rect">
             <a:avLst/>

--- a/PPAdditions.pptx
+++ b/PPAdditions.pptx
@@ -4316,7 +4316,7 @@
         </p:nvSpPr>
         <p:spPr>
           <a:xfrm>
-            <a:off x="4001984" y="1116281"/>
+            <a:off x="4366051" y="2014240"/>
             <a:ext cx="7190509" cy="4462760"/>
           </a:xfrm>
           <a:prstGeom prst="rect">
@@ -4391,6 +4391,47 @@
             <a:r>
               <a:rPr lang="en-US" sz="2800" dirty="0"/>
               <a:t>Accuracy = 47%</a:t>
+            </a:r>
+          </a:p>
+        </p:txBody>
+      </p:sp>
+      <p:sp>
+        <p:nvSpPr>
+          <p:cNvPr id="2" name="TextBox 1">
+            <a:extLst>
+              <a:ext uri="{FF2B5EF4-FFF2-40B4-BE49-F238E27FC236}">
+                <a16:creationId xmlns:a16="http://schemas.microsoft.com/office/drawing/2014/main" id="{21D615BB-535F-3361-432D-E81C02F66AE5}"/>
+              </a:ext>
+            </a:extLst>
+          </p:cNvPr>
+          <p:cNvSpPr txBox="1"/>
+          <p:nvPr/>
+        </p:nvSpPr>
+        <p:spPr>
+          <a:xfrm>
+            <a:off x="3251201" y="999067"/>
+            <a:ext cx="8712200" cy="584775"/>
+          </a:xfrm>
+          <a:prstGeom prst="rect">
+            <a:avLst/>
+          </a:prstGeom>
+          <a:noFill/>
+        </p:spPr>
+        <p:txBody>
+          <a:bodyPr wrap="square" rtlCol="0">
+            <a:spAutoFit/>
+          </a:bodyPr>
+          <a:lstStyle/>
+          <a:p>
+            <a:r>
+              <a:rPr lang="en-US" sz="3200" dirty="0">
+                <a:solidFill>
+                  <a:schemeClr val="accent2">
+                    <a:lumMod val="75000"/>
+                  </a:schemeClr>
+                </a:solidFill>
+              </a:rPr>
+              <a:t>Can Injuries be predicted with the current dataset?</a:t>
             </a:r>
           </a:p>
         </p:txBody>

--- a/PPAdditions.pptx
+++ b/PPAdditions.pptx
@@ -4336,17 +4336,21 @@
             </a:pPr>
             <a:r>
               <a:rPr lang="en-US" sz="4000" dirty="0"/>
-              <a:t>NEURAL NETWORK</a:t>
-            </a:r>
-          </a:p>
-          <a:p>
-            <a:r>
-              <a:rPr lang="en-US" sz="4000" dirty="0"/>
-              <a:t> 	</a:t>
+              <a:t>RANDOM FOREST REGRESSOR</a:t>
+            </a:r>
+          </a:p>
+          <a:p>
+            <a:r>
+              <a:rPr lang="en-US" sz="4000"/>
+              <a:t>	</a:t>
+            </a:r>
+            <a:r>
+              <a:rPr lang="en-US" sz="2800"/>
+              <a:t>Not </a:t>
             </a:r>
             <a:r>
               <a:rPr lang="en-US" sz="2800" dirty="0"/>
-              <a:t>Not enough data to accurately run a 	neural network machine learning model</a:t>
+              <a:t>enough data to accurately run a 	neural network machine learning model</a:t>
             </a:r>
           </a:p>
           <a:p>

--- a/PPAdditions.pptx
+++ b/PPAdditions.pptx
@@ -106,6 +106,11 @@
       </a:defRPr>
     </a:lvl9pPr>
   </p:defaultTextStyle>
+  <p:extLst>
+    <p:ext uri="{EFAFB233-063F-42B5-8137-9DF3F51BA10A}">
+      <p15:sldGuideLst xmlns:p15="http://schemas.microsoft.com/office/powerpoint/2012/main"/>
+    </p:ext>
+  </p:extLst>
 </p:presentation>
 </file>
 
@@ -314,7 +319,7 @@
           <a:p>
             <a:fld id="{52651993-E41F-4A8B-B910-8E9C96B75842}" type="datetimeFigureOut">
               <a:rPr lang="en-US" smtClean="0"/>
-              <a:t>5/16/2023</a:t>
+              <a:t>5/17/2023</a:t>
             </a:fld>
             <a:endParaRPr lang="en-US"/>
           </a:p>
@@ -512,7 +517,7 @@
           <a:p>
             <a:fld id="{52651993-E41F-4A8B-B910-8E9C96B75842}" type="datetimeFigureOut">
               <a:rPr lang="en-US" smtClean="0"/>
-              <a:t>5/16/2023</a:t>
+              <a:t>5/17/2023</a:t>
             </a:fld>
             <a:endParaRPr lang="en-US"/>
           </a:p>
@@ -720,7 +725,7 @@
           <a:p>
             <a:fld id="{52651993-E41F-4A8B-B910-8E9C96B75842}" type="datetimeFigureOut">
               <a:rPr lang="en-US" smtClean="0"/>
-              <a:t>5/16/2023</a:t>
+              <a:t>5/17/2023</a:t>
             </a:fld>
             <a:endParaRPr lang="en-US"/>
           </a:p>
@@ -918,7 +923,7 @@
           <a:p>
             <a:fld id="{52651993-E41F-4A8B-B910-8E9C96B75842}" type="datetimeFigureOut">
               <a:rPr lang="en-US" smtClean="0"/>
-              <a:t>5/16/2023</a:t>
+              <a:t>5/17/2023</a:t>
             </a:fld>
             <a:endParaRPr lang="en-US"/>
           </a:p>
@@ -1193,7 +1198,7 @@
           <a:p>
             <a:fld id="{52651993-E41F-4A8B-B910-8E9C96B75842}" type="datetimeFigureOut">
               <a:rPr lang="en-US" smtClean="0"/>
-              <a:t>5/16/2023</a:t>
+              <a:t>5/17/2023</a:t>
             </a:fld>
             <a:endParaRPr lang="en-US"/>
           </a:p>
@@ -1458,7 +1463,7 @@
           <a:p>
             <a:fld id="{52651993-E41F-4A8B-B910-8E9C96B75842}" type="datetimeFigureOut">
               <a:rPr lang="en-US" smtClean="0"/>
-              <a:t>5/16/2023</a:t>
+              <a:t>5/17/2023</a:t>
             </a:fld>
             <a:endParaRPr lang="en-US"/>
           </a:p>
@@ -1870,7 +1875,7 @@
           <a:p>
             <a:fld id="{52651993-E41F-4A8B-B910-8E9C96B75842}" type="datetimeFigureOut">
               <a:rPr lang="en-US" smtClean="0"/>
-              <a:t>5/16/2023</a:t>
+              <a:t>5/17/2023</a:t>
             </a:fld>
             <a:endParaRPr lang="en-US"/>
           </a:p>
@@ -2011,7 +2016,7 @@
           <a:p>
             <a:fld id="{52651993-E41F-4A8B-B910-8E9C96B75842}" type="datetimeFigureOut">
               <a:rPr lang="en-US" smtClean="0"/>
-              <a:t>5/16/2023</a:t>
+              <a:t>5/17/2023</a:t>
             </a:fld>
             <a:endParaRPr lang="en-US"/>
           </a:p>
@@ -2124,7 +2129,7 @@
           <a:p>
             <a:fld id="{52651993-E41F-4A8B-B910-8E9C96B75842}" type="datetimeFigureOut">
               <a:rPr lang="en-US" smtClean="0"/>
-              <a:t>5/16/2023</a:t>
+              <a:t>5/17/2023</a:t>
             </a:fld>
             <a:endParaRPr lang="en-US"/>
           </a:p>
@@ -2435,7 +2440,7 @@
           <a:p>
             <a:fld id="{52651993-E41F-4A8B-B910-8E9C96B75842}" type="datetimeFigureOut">
               <a:rPr lang="en-US" smtClean="0"/>
-              <a:t>5/16/2023</a:t>
+              <a:t>5/17/2023</a:t>
             </a:fld>
             <a:endParaRPr lang="en-US"/>
           </a:p>
@@ -2723,7 +2728,7 @@
           <a:p>
             <a:fld id="{52651993-E41F-4A8B-B910-8E9C96B75842}" type="datetimeFigureOut">
               <a:rPr lang="en-US" smtClean="0"/>
-              <a:t>5/16/2023</a:t>
+              <a:t>5/17/2023</a:t>
             </a:fld>
             <a:endParaRPr lang="en-US"/>
           </a:p>
@@ -2964,7 +2969,7 @@
           <a:p>
             <a:fld id="{52651993-E41F-4A8B-B910-8E9C96B75842}" type="datetimeFigureOut">
               <a:rPr lang="en-US" smtClean="0"/>
-              <a:t>5/16/2023</a:t>
+              <a:t>5/17/2023</a:t>
             </a:fld>
             <a:endParaRPr lang="en-US"/>
           </a:p>
@@ -3454,7 +3459,7 @@
             <a:pPr algn="ctr"/>
             <a:r>
               <a:rPr lang="en-US" dirty="0"/>
-              <a:t>Prepare the data for transformation</a:t>
+              <a:t>Prepare and Transform the data</a:t>
             </a:r>
           </a:p>
         </p:txBody>
@@ -3504,7 +3509,7 @@
         <p:spPr>
           <a:xfrm>
             <a:off x="1385190" y="3544787"/>
-            <a:ext cx="4572000" cy="1754326"/>
+            <a:ext cx="4572000" cy="2031325"/>
           </a:xfrm>
           <a:prstGeom prst="rect">
             <a:avLst/>
@@ -3574,6 +3579,16 @@
             <a:r>
               <a:rPr lang="en-US" dirty="0"/>
               <a:t>Remove any columns that offer no value</a:t>
+            </a:r>
+          </a:p>
+          <a:p>
+            <a:pPr marL="285750" indent="-285750">
+              <a:buFont typeface="Arial" panose="020B0604020202020204" pitchFamily="34" charset="0"/>
+              <a:buChar char="•"/>
+            </a:pPr>
+            <a:r>
+              <a:rPr lang="en-US" dirty="0"/>
+              <a:t>Train and Scale the data</a:t>
             </a:r>
           </a:p>
         </p:txBody>
@@ -3818,8 +3833,8 @@
           </a:prstGeom>
         </p:spPr>
       </p:pic>
-      <mc:AlternateContent xmlns:mc="http://schemas.openxmlformats.org/markup-compatibility/2006">
-        <mc:Choice xmlns:p14="http://schemas.microsoft.com/office/powerpoint/2010/main" Requires="p14">
+      <mc:AlternateContent xmlns:mc="http://schemas.openxmlformats.org/markup-compatibility/2006" xmlns:p14="http://schemas.microsoft.com/office/powerpoint/2010/main">
+        <mc:Choice Requires="p14">
           <p:contentPart p14:bwMode="auto" r:id="rId5">
             <p14:nvContentPartPr>
               <p14:cNvPr id="19" name="Ink 18">
@@ -3838,7 +3853,7 @@
             </p14:xfrm>
           </p:contentPart>
         </mc:Choice>
-        <mc:Fallback>
+        <mc:Fallback xmlns="">
           <p:pic>
             <p:nvPicPr>
               <p:cNvPr id="19" name="Ink 18">
@@ -3913,7 +3928,7 @@
         </p:nvSpPr>
         <p:spPr>
           <a:xfrm>
-            <a:off x="3428450" y="3252013"/>
+            <a:off x="3774032" y="3312863"/>
             <a:ext cx="1915685" cy="830997"/>
           </a:xfrm>
           <a:prstGeom prst="rect">
@@ -4058,8 +4073,8 @@
           </a:p>
         </p:txBody>
       </p:sp>
-      <mc:AlternateContent xmlns:mc="http://schemas.openxmlformats.org/markup-compatibility/2006">
-        <mc:Choice xmlns:p14="http://schemas.microsoft.com/office/powerpoint/2010/main" Requires="p14">
+      <mc:AlternateContent xmlns:mc="http://schemas.openxmlformats.org/markup-compatibility/2006" xmlns:p14="http://schemas.microsoft.com/office/powerpoint/2010/main">
+        <mc:Choice Requires="p14">
           <p:contentPart p14:bwMode="auto" r:id="rId8">
             <p14:nvContentPartPr>
               <p14:cNvPr id="36" name="Ink 35">
@@ -4078,7 +4093,7 @@
             </p14:xfrm>
           </p:contentPart>
         </mc:Choice>
-        <mc:Fallback>
+        <mc:Fallback xmlns="">
           <p:pic>
             <p:nvPicPr>
               <p:cNvPr id="36" name="Ink 35">
@@ -4144,17 +4159,17 @@
                   <a:srgbClr val="00B0F0"/>
                 </a:solidFill>
               </a:rPr>
-              <a:t>Dataset after Preparation phase</a:t>
+              <a:t>Dataset after Transforming phase</a:t>
             </a:r>
           </a:p>
         </p:txBody>
       </p:sp>
       <p:pic>
         <p:nvPicPr>
-          <p:cNvPr id="41" name="Picture 40">
-            <a:extLst>
-              <a:ext uri="{FF2B5EF4-FFF2-40B4-BE49-F238E27FC236}">
-                <a16:creationId xmlns:a16="http://schemas.microsoft.com/office/drawing/2014/main" id="{D7312470-CCDD-B94D-A159-987CCFCB96AF}"/>
+          <p:cNvPr id="12" name="Picture 11">
+            <a:extLst>
+              <a:ext uri="{FF2B5EF4-FFF2-40B4-BE49-F238E27FC236}">
+                <a16:creationId xmlns:a16="http://schemas.microsoft.com/office/drawing/2014/main" id="{956D62DA-E598-1EA1-D213-734F1E154AE7}"/>
               </a:ext>
             </a:extLst>
           </p:cNvPr>
@@ -4171,8 +4186,8 @@
         </p:blipFill>
         <p:spPr>
           <a:xfrm>
-            <a:off x="64310" y="53439"/>
-            <a:ext cx="6615436" cy="2617474"/>
+            <a:off x="0" y="102083"/>
+            <a:ext cx="6246514" cy="2605581"/>
           </a:xfrm>
           <a:prstGeom prst="rect">
             <a:avLst/>
@@ -4301,7 +4316,7 @@
         </p:nvSpPr>
         <p:spPr>
           <a:xfrm>
-            <a:off x="4001984" y="1116281"/>
+            <a:off x="4366051" y="2014240"/>
             <a:ext cx="7190509" cy="4462760"/>
           </a:xfrm>
           <a:prstGeom prst="rect">
@@ -4321,17 +4336,21 @@
             </a:pPr>
             <a:r>
               <a:rPr lang="en-US" sz="4000" dirty="0"/>
-              <a:t>NEURAL NETWORK</a:t>
-            </a:r>
-          </a:p>
-          <a:p>
-            <a:r>
-              <a:rPr lang="en-US" sz="4000" dirty="0"/>
-              <a:t> 	</a:t>
+              <a:t>RANDOM FOREST REGRESSOR</a:t>
+            </a:r>
+          </a:p>
+          <a:p>
+            <a:r>
+              <a:rPr lang="en-US" sz="4000"/>
+              <a:t>	</a:t>
+            </a:r>
+            <a:r>
+              <a:rPr lang="en-US" sz="2800"/>
+              <a:t>Not </a:t>
             </a:r>
             <a:r>
               <a:rPr lang="en-US" sz="2800" dirty="0"/>
-              <a:t>Not enough data to accurately run a 	neural network machine learning model</a:t>
+              <a:t>enough data to accurately run a 	neural network machine learning model</a:t>
             </a:r>
           </a:p>
           <a:p>
@@ -4376,6 +4395,47 @@
             <a:r>
               <a:rPr lang="en-US" sz="2800" dirty="0"/>
               <a:t>Accuracy = 47%</a:t>
+            </a:r>
+          </a:p>
+        </p:txBody>
+      </p:sp>
+      <p:sp>
+        <p:nvSpPr>
+          <p:cNvPr id="2" name="TextBox 1">
+            <a:extLst>
+              <a:ext uri="{FF2B5EF4-FFF2-40B4-BE49-F238E27FC236}">
+                <a16:creationId xmlns:a16="http://schemas.microsoft.com/office/drawing/2014/main" id="{21D615BB-535F-3361-432D-E81C02F66AE5}"/>
+              </a:ext>
+            </a:extLst>
+          </p:cNvPr>
+          <p:cNvSpPr txBox="1"/>
+          <p:nvPr/>
+        </p:nvSpPr>
+        <p:spPr>
+          <a:xfrm>
+            <a:off x="3251201" y="999067"/>
+            <a:ext cx="8712200" cy="584775"/>
+          </a:xfrm>
+          <a:prstGeom prst="rect">
+            <a:avLst/>
+          </a:prstGeom>
+          <a:noFill/>
+        </p:spPr>
+        <p:txBody>
+          <a:bodyPr wrap="square" rtlCol="0">
+            <a:spAutoFit/>
+          </a:bodyPr>
+          <a:lstStyle/>
+          <a:p>
+            <a:r>
+              <a:rPr lang="en-US" sz="3200" dirty="0">
+                <a:solidFill>
+                  <a:schemeClr val="accent2">
+                    <a:lumMod val="75000"/>
+                  </a:schemeClr>
+                </a:solidFill>
+              </a:rPr>
+              <a:t>Can Injuries be predicted with the current dataset?</a:t>
             </a:r>
           </a:p>
         </p:txBody>
